--- a/powerpoint/5_qsub.pptx
+++ b/powerpoint/5_qsub.pptx
@@ -268,7 +268,7 @@
           <a:p>
             <a:fld id="{C47C7284-A6CB-4DDC-9758-16B7E815B14E}" type="datetimeFigureOut">
               <a:rPr lang="en-GB" smtClean="0"/>
-              <a:t>05/10/2020</a:t>
+              <a:t>01/03/2021</a:t>
             </a:fld>
             <a:endParaRPr lang="en-GB"/>
           </a:p>
@@ -468,7 +468,7 @@
           <a:p>
             <a:fld id="{C47C7284-A6CB-4DDC-9758-16B7E815B14E}" type="datetimeFigureOut">
               <a:rPr lang="en-GB" smtClean="0"/>
-              <a:t>05/10/2020</a:t>
+              <a:t>01/03/2021</a:t>
             </a:fld>
             <a:endParaRPr lang="en-GB"/>
           </a:p>
@@ -678,7 +678,7 @@
           <a:p>
             <a:fld id="{C47C7284-A6CB-4DDC-9758-16B7E815B14E}" type="datetimeFigureOut">
               <a:rPr lang="en-GB" smtClean="0"/>
-              <a:t>05/10/2020</a:t>
+              <a:t>01/03/2021</a:t>
             </a:fld>
             <a:endParaRPr lang="en-GB"/>
           </a:p>
@@ -878,7 +878,7 @@
           <a:p>
             <a:fld id="{C47C7284-A6CB-4DDC-9758-16B7E815B14E}" type="datetimeFigureOut">
               <a:rPr lang="en-GB" smtClean="0"/>
-              <a:t>05/10/2020</a:t>
+              <a:t>01/03/2021</a:t>
             </a:fld>
             <a:endParaRPr lang="en-GB"/>
           </a:p>
@@ -1154,7 +1154,7 @@
           <a:p>
             <a:fld id="{C47C7284-A6CB-4DDC-9758-16B7E815B14E}" type="datetimeFigureOut">
               <a:rPr lang="en-GB" smtClean="0"/>
-              <a:t>05/10/2020</a:t>
+              <a:t>01/03/2021</a:t>
             </a:fld>
             <a:endParaRPr lang="en-GB"/>
           </a:p>
@@ -1422,7 +1422,7 @@
           <a:p>
             <a:fld id="{C47C7284-A6CB-4DDC-9758-16B7E815B14E}" type="datetimeFigureOut">
               <a:rPr lang="en-GB" smtClean="0"/>
-              <a:t>05/10/2020</a:t>
+              <a:t>01/03/2021</a:t>
             </a:fld>
             <a:endParaRPr lang="en-GB"/>
           </a:p>
@@ -1837,7 +1837,7 @@
           <a:p>
             <a:fld id="{C47C7284-A6CB-4DDC-9758-16B7E815B14E}" type="datetimeFigureOut">
               <a:rPr lang="en-GB" smtClean="0"/>
-              <a:t>05/10/2020</a:t>
+              <a:t>01/03/2021</a:t>
             </a:fld>
             <a:endParaRPr lang="en-GB"/>
           </a:p>
@@ -1979,7 +1979,7 @@
           <a:p>
             <a:fld id="{C47C7284-A6CB-4DDC-9758-16B7E815B14E}" type="datetimeFigureOut">
               <a:rPr lang="en-GB" smtClean="0"/>
-              <a:t>05/10/2020</a:t>
+              <a:t>01/03/2021</a:t>
             </a:fld>
             <a:endParaRPr lang="en-GB"/>
           </a:p>
@@ -2092,7 +2092,7 @@
           <a:p>
             <a:fld id="{C47C7284-A6CB-4DDC-9758-16B7E815B14E}" type="datetimeFigureOut">
               <a:rPr lang="en-GB" smtClean="0"/>
-              <a:t>05/10/2020</a:t>
+              <a:t>01/03/2021</a:t>
             </a:fld>
             <a:endParaRPr lang="en-GB"/>
           </a:p>
@@ -2405,7 +2405,7 @@
           <a:p>
             <a:fld id="{C47C7284-A6CB-4DDC-9758-16B7E815B14E}" type="datetimeFigureOut">
               <a:rPr lang="en-GB" smtClean="0"/>
-              <a:t>05/10/2020</a:t>
+              <a:t>01/03/2021</a:t>
             </a:fld>
             <a:endParaRPr lang="en-GB"/>
           </a:p>
@@ -2694,7 +2694,7 @@
           <a:p>
             <a:fld id="{C47C7284-A6CB-4DDC-9758-16B7E815B14E}" type="datetimeFigureOut">
               <a:rPr lang="en-GB" smtClean="0"/>
-              <a:t>05/10/2020</a:t>
+              <a:t>01/03/2021</a:t>
             </a:fld>
             <a:endParaRPr lang="en-GB"/>
           </a:p>
@@ -2937,7 +2937,7 @@
           <a:p>
             <a:fld id="{C47C7284-A6CB-4DDC-9758-16B7E815B14E}" type="datetimeFigureOut">
               <a:rPr lang="en-GB" smtClean="0"/>
-              <a:t>05/10/2020</a:t>
+              <a:t>01/03/2021</a:t>
             </a:fld>
             <a:endParaRPr lang="en-GB"/>
           </a:p>
@@ -3372,7 +3372,7 @@
         </p:nvSpPr>
         <p:spPr>
           <a:xfrm>
-            <a:off x="721821" y="1955121"/>
+            <a:off x="601052" y="333355"/>
             <a:ext cx="10515600" cy="1325563"/>
           </a:xfrm>
         </p:spPr>
@@ -3404,6 +3404,74 @@
                 </a:solidFill>
               </a:rPr>
               <a:t>: This is the official way to submit jobs</a:t>
+            </a:r>
+          </a:p>
+        </p:txBody>
+      </p:sp>
+      <p:sp>
+        <p:nvSpPr>
+          <p:cNvPr id="3" name="TextBox 2">
+            <a:extLst>
+              <a:ext uri="{FF2B5EF4-FFF2-40B4-BE49-F238E27FC236}">
+                <a16:creationId xmlns:a16="http://schemas.microsoft.com/office/drawing/2014/main" id="{2506E9AF-E757-4182-B00D-DEC1480F0F66}"/>
+              </a:ext>
+            </a:extLst>
+          </p:cNvPr>
+          <p:cNvSpPr txBox="1"/>
+          <p:nvPr/>
+        </p:nvSpPr>
+        <p:spPr>
+          <a:xfrm>
+            <a:off x="923277" y="2050742"/>
+            <a:ext cx="9161755" cy="923330"/>
+          </a:xfrm>
+          <a:prstGeom prst="rect">
+            <a:avLst/>
+          </a:prstGeom>
+          <a:noFill/>
+        </p:spPr>
+        <p:txBody>
+          <a:bodyPr wrap="square" rtlCol="0">
+            <a:spAutoFit/>
+          </a:bodyPr>
+          <a:lstStyle/>
+          <a:p>
+            <a:r>
+              <a:rPr lang="en-GB" dirty="0"/>
+              <a:t>This is the </a:t>
+            </a:r>
+            <a:r>
+              <a:rPr lang="en-GB" dirty="0" err="1"/>
+              <a:t>Sungrid</a:t>
+            </a:r>
+            <a:r>
+              <a:rPr lang="en-GB" dirty="0"/>
+              <a:t> engines approach.</a:t>
+            </a:r>
+          </a:p>
+          <a:p>
+            <a:endParaRPr lang="en-GB" dirty="0"/>
+          </a:p>
+          <a:p>
+            <a:r>
+              <a:rPr lang="en-GB" dirty="0"/>
+              <a:t>You may see in other places “</a:t>
+            </a:r>
+            <a:r>
+              <a:rPr lang="en-GB" dirty="0" err="1"/>
+              <a:t>sbatch</a:t>
+            </a:r>
+            <a:r>
+              <a:rPr lang="en-GB" dirty="0"/>
+              <a:t>”. This is for queue managing software called </a:t>
+            </a:r>
+            <a:r>
+              <a:rPr lang="en-GB" dirty="0" err="1"/>
+              <a:t>Slurm</a:t>
+            </a:r>
+            <a:r>
+              <a:rPr lang="en-GB" dirty="0"/>
+              <a:t>.</a:t>
             </a:r>
           </a:p>
         </p:txBody>
@@ -3845,8 +3913,12 @@
               <a:buNone/>
             </a:pPr>
             <a:r>
-              <a:rPr lang="en-GB" dirty="0"/>
-              <a:t>END HERE</a:t>
+              <a:rPr lang="en-GB" dirty="0">
+                <a:highlight>
+                  <a:srgbClr val="FFFF00"/>
+                </a:highlight>
+              </a:rPr>
+              <a:t>END HERE (anything further is extra – please go through this in your own time)</a:t>
             </a:r>
           </a:p>
         </p:txBody>

--- a/powerpoint/5_qsub.pptx
+++ b/powerpoint/5_qsub.pptx
@@ -268,7 +268,7 @@
           <a:p>
             <a:fld id="{C47C7284-A6CB-4DDC-9758-16B7E815B14E}" type="datetimeFigureOut">
               <a:rPr lang="en-GB" smtClean="0"/>
-              <a:t>01/03/2021</a:t>
+              <a:t>10/03/2021</a:t>
             </a:fld>
             <a:endParaRPr lang="en-GB"/>
           </a:p>
@@ -468,7 +468,7 @@
           <a:p>
             <a:fld id="{C47C7284-A6CB-4DDC-9758-16B7E815B14E}" type="datetimeFigureOut">
               <a:rPr lang="en-GB" smtClean="0"/>
-              <a:t>01/03/2021</a:t>
+              <a:t>10/03/2021</a:t>
             </a:fld>
             <a:endParaRPr lang="en-GB"/>
           </a:p>
@@ -678,7 +678,7 @@
           <a:p>
             <a:fld id="{C47C7284-A6CB-4DDC-9758-16B7E815B14E}" type="datetimeFigureOut">
               <a:rPr lang="en-GB" smtClean="0"/>
-              <a:t>01/03/2021</a:t>
+              <a:t>10/03/2021</a:t>
             </a:fld>
             <a:endParaRPr lang="en-GB"/>
           </a:p>
@@ -878,7 +878,7 @@
           <a:p>
             <a:fld id="{C47C7284-A6CB-4DDC-9758-16B7E815B14E}" type="datetimeFigureOut">
               <a:rPr lang="en-GB" smtClean="0"/>
-              <a:t>01/03/2021</a:t>
+              <a:t>10/03/2021</a:t>
             </a:fld>
             <a:endParaRPr lang="en-GB"/>
           </a:p>
@@ -1154,7 +1154,7 @@
           <a:p>
             <a:fld id="{C47C7284-A6CB-4DDC-9758-16B7E815B14E}" type="datetimeFigureOut">
               <a:rPr lang="en-GB" smtClean="0"/>
-              <a:t>01/03/2021</a:t>
+              <a:t>10/03/2021</a:t>
             </a:fld>
             <a:endParaRPr lang="en-GB"/>
           </a:p>
@@ -1422,7 +1422,7 @@
           <a:p>
             <a:fld id="{C47C7284-A6CB-4DDC-9758-16B7E815B14E}" type="datetimeFigureOut">
               <a:rPr lang="en-GB" smtClean="0"/>
-              <a:t>01/03/2021</a:t>
+              <a:t>10/03/2021</a:t>
             </a:fld>
             <a:endParaRPr lang="en-GB"/>
           </a:p>
@@ -1837,7 +1837,7 @@
           <a:p>
             <a:fld id="{C47C7284-A6CB-4DDC-9758-16B7E815B14E}" type="datetimeFigureOut">
               <a:rPr lang="en-GB" smtClean="0"/>
-              <a:t>01/03/2021</a:t>
+              <a:t>10/03/2021</a:t>
             </a:fld>
             <a:endParaRPr lang="en-GB"/>
           </a:p>
@@ -1979,7 +1979,7 @@
           <a:p>
             <a:fld id="{C47C7284-A6CB-4DDC-9758-16B7E815B14E}" type="datetimeFigureOut">
               <a:rPr lang="en-GB" smtClean="0"/>
-              <a:t>01/03/2021</a:t>
+              <a:t>10/03/2021</a:t>
             </a:fld>
             <a:endParaRPr lang="en-GB"/>
           </a:p>
@@ -2092,7 +2092,7 @@
           <a:p>
             <a:fld id="{C47C7284-A6CB-4DDC-9758-16B7E815B14E}" type="datetimeFigureOut">
               <a:rPr lang="en-GB" smtClean="0"/>
-              <a:t>01/03/2021</a:t>
+              <a:t>10/03/2021</a:t>
             </a:fld>
             <a:endParaRPr lang="en-GB"/>
           </a:p>
@@ -2405,7 +2405,7 @@
           <a:p>
             <a:fld id="{C47C7284-A6CB-4DDC-9758-16B7E815B14E}" type="datetimeFigureOut">
               <a:rPr lang="en-GB" smtClean="0"/>
-              <a:t>01/03/2021</a:t>
+              <a:t>10/03/2021</a:t>
             </a:fld>
             <a:endParaRPr lang="en-GB"/>
           </a:p>
@@ -2694,7 +2694,7 @@
           <a:p>
             <a:fld id="{C47C7284-A6CB-4DDC-9758-16B7E815B14E}" type="datetimeFigureOut">
               <a:rPr lang="en-GB" smtClean="0"/>
-              <a:t>01/03/2021</a:t>
+              <a:t>10/03/2021</a:t>
             </a:fld>
             <a:endParaRPr lang="en-GB"/>
           </a:p>
@@ -2937,7 +2937,7 @@
           <a:p>
             <a:fld id="{C47C7284-A6CB-4DDC-9758-16B7E815B14E}" type="datetimeFigureOut">
               <a:rPr lang="en-GB" smtClean="0"/>
-              <a:t>01/03/2021</a:t>
+              <a:t>10/03/2021</a:t>
             </a:fld>
             <a:endParaRPr lang="en-GB"/>
           </a:p>
@@ -3423,7 +3423,7 @@
         <p:spPr>
           <a:xfrm>
             <a:off x="923277" y="2050742"/>
-            <a:ext cx="9161755" cy="923330"/>
+            <a:ext cx="9161755" cy="2492990"/>
           </a:xfrm>
           <a:prstGeom prst="rect">
             <a:avLst/>
@@ -3437,41 +3437,66 @@
           <a:lstStyle/>
           <a:p>
             <a:r>
-              <a:rPr lang="en-GB" dirty="0"/>
+              <a:rPr lang="en-GB" sz="2400" dirty="0"/>
               <a:t>This is the </a:t>
             </a:r>
             <a:r>
-              <a:rPr lang="en-GB" dirty="0" err="1"/>
+              <a:rPr lang="en-GB" sz="2400" dirty="0" err="1"/>
               <a:t>Sungrid</a:t>
             </a:r>
             <a:r>
-              <a:rPr lang="en-GB" dirty="0"/>
-              <a:t> engines approach.</a:t>
-            </a:r>
-          </a:p>
-          <a:p>
-            <a:endParaRPr lang="en-GB" dirty="0"/>
-          </a:p>
-          <a:p>
-            <a:r>
-              <a:rPr lang="en-GB" dirty="0"/>
+              <a:rPr lang="en-GB" sz="2400" dirty="0"/>
+              <a:t> engines approach. </a:t>
+            </a:r>
+            <a:r>
+              <a:rPr lang="en-GB" sz="2400" dirty="0">
+                <a:hlinkClick r:id="rId2"/>
+              </a:rPr>
+              <a:t>https://docs.oracle.com/cd/E19957-01/820-0699/</a:t>
+            </a:r>
+            <a:r>
+              <a:rPr lang="en-GB" sz="2400" dirty="0"/>
+              <a:t> </a:t>
+            </a:r>
+          </a:p>
+          <a:p>
+            <a:endParaRPr lang="en-GB" sz="2400" dirty="0"/>
+          </a:p>
+          <a:p>
+            <a:r>
+              <a:rPr lang="en-GB" sz="2400" dirty="0"/>
               <a:t>You may see in other places “</a:t>
             </a:r>
             <a:r>
-              <a:rPr lang="en-GB" dirty="0" err="1"/>
+              <a:rPr lang="en-GB" sz="2400" dirty="0" err="1"/>
               <a:t>sbatch</a:t>
             </a:r>
             <a:r>
-              <a:rPr lang="en-GB" dirty="0"/>
+              <a:rPr lang="en-GB" sz="2400" dirty="0"/>
               <a:t>”. This is for queue managing software called </a:t>
             </a:r>
             <a:r>
-              <a:rPr lang="en-GB" dirty="0" err="1"/>
+              <a:rPr lang="en-GB" sz="2400" dirty="0" err="1"/>
               <a:t>Slurm</a:t>
             </a:r>
             <a:r>
               <a:rPr lang="en-GB" dirty="0"/>
               <a:t>.</a:t>
+            </a:r>
+          </a:p>
+          <a:p>
+            <a:endParaRPr lang="en-GB" dirty="0"/>
+          </a:p>
+          <a:p>
+            <a:r>
+              <a:rPr lang="en-GB" dirty="0">
+                <a:hlinkClick r:id="rId3"/>
+              </a:rPr>
+              <a:t>https://slurm.schedmd.com/quickstart.html</a:t>
+            </a:r>
+            <a:r>
+              <a:rPr lang="en-GB" dirty="0"/>
+              <a:t> </a:t>
             </a:r>
           </a:p>
         </p:txBody>
@@ -3628,7 +3653,7 @@
             </a:r>
             <a:r>
               <a:rPr lang="en-GB" dirty="0"/>
-              <a:t> your jobs!!!</a:t>
+              <a:t> your jobs!!! (please don’t run jobs directly at the login node, unless you know they are quick and not demanding)</a:t>
             </a:r>
           </a:p>
           <a:p>
@@ -3865,7 +3890,7 @@
           <a:p>
             <a:r>
               <a:rPr lang="en-GB" dirty="0"/>
-              <a:t>In short you can look at this later. </a:t>
+              <a:t>In short you can look back at this later. </a:t>
             </a:r>
           </a:p>
           <a:p>
@@ -3907,19 +3932,6 @@
                 <a:srgbClr val="0070C0"/>
               </a:solidFill>
             </a:endParaRPr>
-          </a:p>
-          <a:p>
-            <a:pPr marL="0" indent="0">
-              <a:buNone/>
-            </a:pPr>
-            <a:r>
-              <a:rPr lang="en-GB" dirty="0">
-                <a:highlight>
-                  <a:srgbClr val="FFFF00"/>
-                </a:highlight>
-              </a:rPr>
-              <a:t>END HERE (anything further is extra – please go through this in your own time)</a:t>
-            </a:r>
           </a:p>
         </p:txBody>
       </p:sp>

--- a/powerpoint/5_qsub.pptx
+++ b/powerpoint/5_qsub.pptx
@@ -268,7 +268,7 @@
           <a:p>
             <a:fld id="{C47C7284-A6CB-4DDC-9758-16B7E815B14E}" type="datetimeFigureOut">
               <a:rPr lang="en-GB" smtClean="0"/>
-              <a:t>10/03/2021</a:t>
+              <a:t>10/03/2022</a:t>
             </a:fld>
             <a:endParaRPr lang="en-GB"/>
           </a:p>
@@ -468,7 +468,7 @@
           <a:p>
             <a:fld id="{C47C7284-A6CB-4DDC-9758-16B7E815B14E}" type="datetimeFigureOut">
               <a:rPr lang="en-GB" smtClean="0"/>
-              <a:t>10/03/2021</a:t>
+              <a:t>10/03/2022</a:t>
             </a:fld>
             <a:endParaRPr lang="en-GB"/>
           </a:p>
@@ -678,7 +678,7 @@
           <a:p>
             <a:fld id="{C47C7284-A6CB-4DDC-9758-16B7E815B14E}" type="datetimeFigureOut">
               <a:rPr lang="en-GB" smtClean="0"/>
-              <a:t>10/03/2021</a:t>
+              <a:t>10/03/2022</a:t>
             </a:fld>
             <a:endParaRPr lang="en-GB"/>
           </a:p>
@@ -878,7 +878,7 @@
           <a:p>
             <a:fld id="{C47C7284-A6CB-4DDC-9758-16B7E815B14E}" type="datetimeFigureOut">
               <a:rPr lang="en-GB" smtClean="0"/>
-              <a:t>10/03/2021</a:t>
+              <a:t>10/03/2022</a:t>
             </a:fld>
             <a:endParaRPr lang="en-GB"/>
           </a:p>
@@ -1154,7 +1154,7 @@
           <a:p>
             <a:fld id="{C47C7284-A6CB-4DDC-9758-16B7E815B14E}" type="datetimeFigureOut">
               <a:rPr lang="en-GB" smtClean="0"/>
-              <a:t>10/03/2021</a:t>
+              <a:t>10/03/2022</a:t>
             </a:fld>
             <a:endParaRPr lang="en-GB"/>
           </a:p>
@@ -1422,7 +1422,7 @@
           <a:p>
             <a:fld id="{C47C7284-A6CB-4DDC-9758-16B7E815B14E}" type="datetimeFigureOut">
               <a:rPr lang="en-GB" smtClean="0"/>
-              <a:t>10/03/2021</a:t>
+              <a:t>10/03/2022</a:t>
             </a:fld>
             <a:endParaRPr lang="en-GB"/>
           </a:p>
@@ -1837,7 +1837,7 @@
           <a:p>
             <a:fld id="{C47C7284-A6CB-4DDC-9758-16B7E815B14E}" type="datetimeFigureOut">
               <a:rPr lang="en-GB" smtClean="0"/>
-              <a:t>10/03/2021</a:t>
+              <a:t>10/03/2022</a:t>
             </a:fld>
             <a:endParaRPr lang="en-GB"/>
           </a:p>
@@ -1979,7 +1979,7 @@
           <a:p>
             <a:fld id="{C47C7284-A6CB-4DDC-9758-16B7E815B14E}" type="datetimeFigureOut">
               <a:rPr lang="en-GB" smtClean="0"/>
-              <a:t>10/03/2021</a:t>
+              <a:t>10/03/2022</a:t>
             </a:fld>
             <a:endParaRPr lang="en-GB"/>
           </a:p>
@@ -2092,7 +2092,7 @@
           <a:p>
             <a:fld id="{C47C7284-A6CB-4DDC-9758-16B7E815B14E}" type="datetimeFigureOut">
               <a:rPr lang="en-GB" smtClean="0"/>
-              <a:t>10/03/2021</a:t>
+              <a:t>10/03/2022</a:t>
             </a:fld>
             <a:endParaRPr lang="en-GB"/>
           </a:p>
@@ -2405,7 +2405,7 @@
           <a:p>
             <a:fld id="{C47C7284-A6CB-4DDC-9758-16B7E815B14E}" type="datetimeFigureOut">
               <a:rPr lang="en-GB" smtClean="0"/>
-              <a:t>10/03/2021</a:t>
+              <a:t>10/03/2022</a:t>
             </a:fld>
             <a:endParaRPr lang="en-GB"/>
           </a:p>
@@ -2694,7 +2694,7 @@
           <a:p>
             <a:fld id="{C47C7284-A6CB-4DDC-9758-16B7E815B14E}" type="datetimeFigureOut">
               <a:rPr lang="en-GB" smtClean="0"/>
-              <a:t>10/03/2021</a:t>
+              <a:t>10/03/2022</a:t>
             </a:fld>
             <a:endParaRPr lang="en-GB"/>
           </a:p>
@@ -2937,7 +2937,7 @@
           <a:p>
             <a:fld id="{C47C7284-A6CB-4DDC-9758-16B7E815B14E}" type="datetimeFigureOut">
               <a:rPr lang="en-GB" smtClean="0"/>
-              <a:t>10/03/2021</a:t>
+              <a:t>10/03/2022</a:t>
             </a:fld>
             <a:endParaRPr lang="en-GB"/>
           </a:p>
@@ -3481,7 +3481,15 @@
             </a:r>
             <a:r>
               <a:rPr lang="en-GB" dirty="0"/>
-              <a:t>.</a:t>
+              <a:t>. </a:t>
+            </a:r>
+            <a:r>
+              <a:rPr lang="en-GB" dirty="0" err="1"/>
+              <a:t>Slurm</a:t>
+            </a:r>
+            <a:r>
+              <a:rPr lang="en-GB" dirty="0"/>
+              <a:t> is a more modern replacement.</a:t>
             </a:r>
           </a:p>
           <a:p>
@@ -5102,13 +5110,13 @@
         </p:nvSpPr>
         <p:spPr>
           <a:xfrm>
-            <a:off x="431800" y="1343818"/>
-            <a:ext cx="11315700" cy="5222082"/>
+            <a:off x="393700" y="978568"/>
+            <a:ext cx="11509542" cy="5743074"/>
           </a:xfrm>
         </p:spPr>
         <p:txBody>
           <a:bodyPr>
-            <a:normAutofit lnSpcReduction="10000"/>
+            <a:normAutofit fontScale="85000" lnSpcReduction="20000"/>
           </a:bodyPr>
           <a:lstStyle/>
           <a:p>
@@ -5263,7 +5271,55 @@
                   <a:schemeClr val="accent1"/>
                 </a:solidFill>
               </a:rPr>
-              <a:t> -V -</a:t>
+              <a:t> -V -pe multi </a:t>
+            </a:r>
+            <a:r>
+              <a:rPr lang="en-GB" u="sng" dirty="0">
+                <a:solidFill>
+                  <a:schemeClr val="accent1"/>
+                </a:solidFill>
+              </a:rPr>
+              <a:t>4</a:t>
+            </a:r>
+            <a:r>
+              <a:rPr lang="en-GB" dirty="0">
+                <a:solidFill>
+                  <a:schemeClr val="accent1"/>
+                </a:solidFill>
+              </a:rPr>
+              <a:t> script.sh</a:t>
+            </a:r>
+          </a:p>
+          <a:p>
+            <a:pPr marL="0" indent="0">
+              <a:buNone/>
+            </a:pPr>
+            <a:endParaRPr lang="en-GB" dirty="0">
+              <a:solidFill>
+                <a:schemeClr val="accent1"/>
+              </a:solidFill>
+            </a:endParaRPr>
+          </a:p>
+          <a:p>
+            <a:pPr marL="0" indent="0">
+              <a:buNone/>
+            </a:pPr>
+            <a:r>
+              <a:rPr lang="en-GB" dirty="0"/>
+              <a:t>Centos7 q</a:t>
+            </a:r>
+          </a:p>
+          <a:p>
+            <a:pPr marL="0" indent="0">
+              <a:buNone/>
+            </a:pPr>
+            <a:r>
+              <a:rPr lang="en-GB" dirty="0">
+                <a:solidFill>
+                  <a:schemeClr val="accent1"/>
+                </a:solidFill>
+              </a:rPr>
+              <a:t>         </a:t>
             </a:r>
             <a:r>
               <a:rPr lang="en-GB" dirty="0" err="1">
@@ -5271,7 +5327,7 @@
                   <a:schemeClr val="accent1"/>
                 </a:solidFill>
               </a:rPr>
-              <a:t>pe</a:t>
+              <a:t>qsub</a:t>
             </a:r>
             <a:r>
               <a:rPr lang="en-GB" dirty="0">
@@ -5279,7 +5335,7 @@
                   <a:schemeClr val="accent1"/>
                 </a:solidFill>
               </a:rPr>
-              <a:t> multi </a:t>
+              <a:t> -q centos7.q -V -pe multi </a:t>
             </a:r>
             <a:r>
               <a:rPr lang="en-GB" u="sng" dirty="0">
@@ -5297,6 +5353,12 @@
               </a:rPr>
               <a:t> script.sh</a:t>
             </a:r>
+            <a:endParaRPr lang="en-GB" dirty="0"/>
+          </a:p>
+          <a:p>
+            <a:pPr marL="0" indent="0">
+              <a:buNone/>
+            </a:pPr>
             <a:endParaRPr lang="en-GB" dirty="0"/>
           </a:p>
           <a:p>
